--- a/云架构实战/第五单元-Apache（一）/第五单元PPT/05Apache配置文件主要参数讲解.pptx
+++ b/云架构实战/第五单元-Apache（一）/第五单元PPT/05Apache配置文件主要参数讲解.pptx
@@ -18731,7 +18731,7 @@
         <p:spPr>
           <a:xfrm>
             <a:off x="467544" y="1131590"/>
-            <a:ext cx="6485109" cy="1184940"/>
+            <a:ext cx="6425565" cy="1183640"/>
           </a:xfrm>
           <a:prstGeom prst="rect">
             <a:avLst/>
@@ -18865,21 +18865,14 @@
                 <a:latin typeface="华文中宋" panose="02010600040101010101" pitchFamily="2" charset="-122"/>
                 <a:ea typeface="华文中宋" panose="02010600040101010101" pitchFamily="2" charset="-122"/>
               </a:rPr>
-              <a:t>192.168.189.120</a:t>
-            </a:r>
-            <a:r>
-              <a:rPr lang="en-US" altLang="zh-CN" sz="1400" b="1" dirty="0">
-                <a:solidFill>
-                  <a:srgbClr val="FF0000"/>
-                </a:solidFill>
-                <a:latin typeface="华文中宋" panose="02010600040101010101" pitchFamily="2" charset="-122"/>
-                <a:ea typeface="华文中宋" panose="02010600040101010101" pitchFamily="2" charset="-122"/>
-              </a:rPr>
-              <a:t>:80</a:t>
-            </a:r>
-            <a:endParaRPr lang="en-US" altLang="zh-CN" sz="1400" b="1" dirty="0">
+              <a:t>192.168.189.120:80</a:t>
+            </a:r>
+            <a:endParaRPr lang="en-US" altLang="zh-CN" sz="1400" dirty="0">
               <a:solidFill>
-                <a:srgbClr val="FF0000"/>
+                <a:schemeClr val="tx1">
+                  <a:lumMod val="75000"/>
+                  <a:lumOff val="25000"/>
+                </a:schemeClr>
               </a:solidFill>
               <a:latin typeface="华文中宋" panose="02010600040101010101" pitchFamily="2" charset="-122"/>
               <a:ea typeface="华文中宋" panose="02010600040101010101" pitchFamily="2" charset="-122"/>
